--- a/HTTT_1141260130_PhamNgocHuy_DAK14_HKP.pptx
+++ b/HTTT_1141260130_PhamNgocHuy_DAK14_HKP.pptx
@@ -293,7 +293,7 @@
       </p15:sldGuideLst>
     </p:ext>
     <p:ext uri="GoogleSlidesCustomDataVersion2">
-      <go:slidesCustomData xmlns:go="http://customooxmlschemas.google.com/" xmlns:ahyp="http://schemas.microsoft.com/office/drawing/2018/hyperlinkcolor" xmlns:p15="http://schemas.microsoft.com/office/powerpoint/2012/main" xmlns:p14="http://schemas.microsoft.com/office/powerpoint/2010/main" xmlns:com="http://schemas.openxmlformats.org/drawingml/2006/compatibility" xmlns:pvml="urn:schemas-microsoft-com:office:powerpoint" xmlns:v="urn:schemas-microsoft-com:vml" xmlns:o="urn:schemas-microsoft-com:office:office" xmlns:dgm="http://schemas.openxmlformats.org/drawingml/2006/diagram" xmlns:c="http://schemas.openxmlformats.org/drawingml/2006/chart" xmlns:mv="urn:schemas-microsoft-com:mac:vml" xmlns:mc="http://schemas.openxmlformats.org/markup-compatibility/2006" xmlns="" r:id="rId37" roundtripDataSignature="AMtx7mjAlzQD2AynrOs3sT8SbG3++7P8KA=="/>
+      <go:slidesCustomData xmlns="" xmlns:mc="http://schemas.openxmlformats.org/markup-compatibility/2006" xmlns:mv="urn:schemas-microsoft-com:mac:vml" xmlns:c="http://schemas.openxmlformats.org/drawingml/2006/chart" xmlns:dgm="http://schemas.openxmlformats.org/drawingml/2006/diagram" xmlns:o="urn:schemas-microsoft-com:office:office" xmlns:v="urn:schemas-microsoft-com:vml" xmlns:pvml="urn:schemas-microsoft-com:office:powerpoint" xmlns:com="http://schemas.openxmlformats.org/drawingml/2006/compatibility" xmlns:p14="http://schemas.microsoft.com/office/powerpoint/2010/main" xmlns:p15="http://schemas.microsoft.com/office/powerpoint/2012/main" xmlns:ahyp="http://schemas.microsoft.com/office/drawing/2018/hyperlinkcolor" xmlns:go="http://customooxmlschemas.google.com/" r:id="rId37" roundtripDataSignature="AMtx7mjAlzQD2AynrOs3sT8SbG3++7P8KA=="/>
     </p:ext>
   </p:extLst>
 </p:presentation>
@@ -41460,8 +41460,8 @@
         </p:nvSpPr>
         <p:spPr>
           <a:xfrm>
-            <a:off x="3142376" y="2196937"/>
-            <a:ext cx="7319632" cy="923330"/>
+            <a:off x="1043709" y="2196937"/>
+            <a:ext cx="10012217" cy="923289"/>
           </a:xfrm>
           <a:prstGeom prst="rect">
             <a:avLst/>
@@ -41477,7 +41477,7 @@
           </a:bodyPr>
           <a:lstStyle/>
           <a:p>
-            <a:pPr marL="0" marR="0" lvl="0" indent="0" algn="l" rtl="0">
+            <a:pPr marL="0" marR="0" lvl="0" indent="0" algn="ctr" rtl="0">
               <a:spcBef>
                 <a:spcPts val="0"/>
               </a:spcBef>
@@ -41486,6 +41486,14 @@
               </a:spcAft>
               <a:buNone/>
             </a:pPr>
+            <a:r>
+              <a:rPr lang="en-US" sz="5400" b="1" dirty="0">
+                <a:solidFill>
+                  <a:srgbClr val="ED1C2A"/>
+                </a:solidFill>
+              </a:rPr>
+              <a:t>KHOÁ LUẬN</a:t>
+            </a:r>
             <a:r>
               <a:rPr lang="en-US" sz="5400" b="1" i="0" u="none" strike="noStrike" cap="none" dirty="0">
                 <a:solidFill>
@@ -41496,7 +41504,7 @@
                 <a:cs typeface="Arial"/>
                 <a:sym typeface="Arial"/>
               </a:rPr>
-              <a:t>ĐỒ ÁN TỐT NGHIỆP</a:t>
+              <a:t> TỐT NGHIỆP</a:t>
             </a:r>
             <a:endParaRPr sz="5400" b="1" dirty="0">
               <a:solidFill>
@@ -42023,18 +42031,6 @@
               <a:buNone/>
             </a:pPr>
             <a:r>
-              <a:rPr lang="en-US" sz="1800" i="1" dirty="0" err="1">
-                <a:solidFill>
-                  <a:srgbClr val="595959"/>
-                </a:solidFill>
-                <a:latin typeface="Times New Roman"/>
-                <a:ea typeface="Times New Roman"/>
-                <a:cs typeface="Times New Roman"/>
-                <a:sym typeface="Times New Roman"/>
-              </a:rPr>
-              <a:t>Hà</a:t>
-            </a:r>
-            <a:r>
               <a:rPr lang="en-US" sz="1800" i="1" dirty="0">
                 <a:solidFill>
                   <a:srgbClr val="595959"/>
@@ -42044,31 +42040,7 @@
                 <a:cs typeface="Times New Roman"/>
                 <a:sym typeface="Times New Roman"/>
               </a:rPr>
-              <a:t> </a:t>
-            </a:r>
-            <a:r>
-              <a:rPr lang="en-US" sz="1800" i="1" dirty="0" err="1">
-                <a:solidFill>
-                  <a:srgbClr val="595959"/>
-                </a:solidFill>
-                <a:latin typeface="Times New Roman"/>
-                <a:ea typeface="Times New Roman"/>
-                <a:cs typeface="Times New Roman"/>
-                <a:sym typeface="Times New Roman"/>
-              </a:rPr>
-              <a:t>Nội</a:t>
-            </a:r>
-            <a:r>
-              <a:rPr lang="en-US" sz="1800" i="1" dirty="0">
-                <a:solidFill>
-                  <a:srgbClr val="595959"/>
-                </a:solidFill>
-                <a:latin typeface="Times New Roman"/>
-                <a:ea typeface="Times New Roman"/>
-                <a:cs typeface="Times New Roman"/>
-                <a:sym typeface="Times New Roman"/>
-              </a:rPr>
-              <a:t>, </a:t>
+              <a:t>Hà Nội, </a:t>
             </a:r>
             <a:r>
               <a:rPr lang="en-US" sz="1800" i="1" dirty="0" err="1">
@@ -42092,7 +42064,7 @@
                 <a:cs typeface="Times New Roman"/>
                 <a:sym typeface="Times New Roman"/>
               </a:rPr>
-              <a:t> 19 </a:t>
+              <a:t> 24 </a:t>
             </a:r>
             <a:r>
               <a:rPr lang="en-US" sz="1800" i="1" dirty="0" err="1">
@@ -42116,31 +42088,7 @@
                 <a:cs typeface="Times New Roman"/>
                 <a:sym typeface="Times New Roman"/>
               </a:rPr>
-              <a:t> 9 </a:t>
-            </a:r>
-            <a:r>
-              <a:rPr lang="en-US" sz="1800" i="1" dirty="0" err="1">
-                <a:solidFill>
-                  <a:srgbClr val="595959"/>
-                </a:solidFill>
-                <a:latin typeface="Times New Roman"/>
-                <a:ea typeface="Times New Roman"/>
-                <a:cs typeface="Times New Roman"/>
-                <a:sym typeface="Times New Roman"/>
-              </a:rPr>
-              <a:t>năm</a:t>
-            </a:r>
-            <a:r>
-              <a:rPr lang="en-US" sz="1800" i="1" dirty="0">
-                <a:solidFill>
-                  <a:srgbClr val="595959"/>
-                </a:solidFill>
-                <a:latin typeface="Times New Roman"/>
-                <a:ea typeface="Times New Roman"/>
-                <a:cs typeface="Times New Roman"/>
-                <a:sym typeface="Times New Roman"/>
-              </a:rPr>
-              <a:t> 2023</a:t>
+              <a:t> 9 năm 2023</a:t>
             </a:r>
             <a:endParaRPr dirty="0">
               <a:latin typeface="Times New Roman"/>
@@ -44650,13 +44598,13 @@
   <p:clrMapOvr>
     <a:masterClrMapping/>
   </p:clrMapOvr>
-  <mc:AlternateContent xmlns:mc="http://schemas.openxmlformats.org/markup-compatibility/2006">
-    <mc:Choice xmlns:p14="http://schemas.microsoft.com/office/powerpoint/2010/main" Requires="p14">
+  <mc:AlternateContent xmlns:mc="http://schemas.openxmlformats.org/markup-compatibility/2006" xmlns:p14="http://schemas.microsoft.com/office/powerpoint/2010/main">
+    <mc:Choice Requires="p14">
       <p:transition spd="slow" p14:dur="1500">
         <p:random/>
       </p:transition>
     </mc:Choice>
-    <mc:Fallback>
+    <mc:Fallback xmlns="">
       <p:transition spd="slow">
         <p:random/>
       </p:transition>
@@ -45067,13 +45015,13 @@
   <p:clrMapOvr>
     <a:masterClrMapping/>
   </p:clrMapOvr>
-  <mc:AlternateContent xmlns:mc="http://schemas.openxmlformats.org/markup-compatibility/2006">
-    <mc:Choice xmlns:p14="http://schemas.microsoft.com/office/powerpoint/2010/main" Requires="p14">
+  <mc:AlternateContent xmlns:mc="http://schemas.openxmlformats.org/markup-compatibility/2006" xmlns:p14="http://schemas.microsoft.com/office/powerpoint/2010/main">
+    <mc:Choice Requires="p14">
       <p:transition spd="slow" p14:dur="1500">
         <p:random/>
       </p:transition>
     </mc:Choice>
-    <mc:Fallback>
+    <mc:Fallback xmlns="">
       <p:transition spd="slow">
         <p:random/>
       </p:transition>
@@ -45258,18 +45206,6 @@
               <a:buNone/>
             </a:pPr>
             <a:r>
-              <a:rPr lang="en-US" sz="1800" i="1" dirty="0" err="1">
-                <a:solidFill>
-                  <a:srgbClr val="595959"/>
-                </a:solidFill>
-                <a:latin typeface="Times New Roman"/>
-                <a:ea typeface="Times New Roman"/>
-                <a:cs typeface="Times New Roman"/>
-                <a:sym typeface="Times New Roman"/>
-              </a:rPr>
-              <a:t>Hà</a:t>
-            </a:r>
-            <a:r>
               <a:rPr lang="en-US" sz="1800" i="1" dirty="0">
                 <a:solidFill>
                   <a:srgbClr val="595959"/>
@@ -45279,31 +45215,7 @@
                 <a:cs typeface="Times New Roman"/>
                 <a:sym typeface="Times New Roman"/>
               </a:rPr>
-              <a:t> </a:t>
-            </a:r>
-            <a:r>
-              <a:rPr lang="en-US" sz="1800" i="1" dirty="0" err="1">
-                <a:solidFill>
-                  <a:srgbClr val="595959"/>
-                </a:solidFill>
-                <a:latin typeface="Times New Roman"/>
-                <a:ea typeface="Times New Roman"/>
-                <a:cs typeface="Times New Roman"/>
-                <a:sym typeface="Times New Roman"/>
-              </a:rPr>
-              <a:t>Nội</a:t>
-            </a:r>
-            <a:r>
-              <a:rPr lang="en-US" sz="1800" i="1" dirty="0">
-                <a:solidFill>
-                  <a:srgbClr val="595959"/>
-                </a:solidFill>
-                <a:latin typeface="Times New Roman"/>
-                <a:ea typeface="Times New Roman"/>
-                <a:cs typeface="Times New Roman"/>
-                <a:sym typeface="Times New Roman"/>
-              </a:rPr>
-              <a:t>, </a:t>
+              <a:t>Hà Nội, </a:t>
             </a:r>
             <a:r>
               <a:rPr lang="en-US" sz="1800" i="1" dirty="0" err="1">
@@ -45327,7 +45239,7 @@
                 <a:cs typeface="Times New Roman"/>
                 <a:sym typeface="Times New Roman"/>
               </a:rPr>
-              <a:t> 19 </a:t>
+              <a:t> 24 </a:t>
             </a:r>
             <a:r>
               <a:rPr lang="en-US" sz="1800" i="1" dirty="0" err="1">
@@ -45351,31 +45263,7 @@
                 <a:cs typeface="Times New Roman"/>
                 <a:sym typeface="Times New Roman"/>
               </a:rPr>
-              <a:t> 9 </a:t>
-            </a:r>
-            <a:r>
-              <a:rPr lang="en-US" sz="1800" i="1" dirty="0" err="1">
-                <a:solidFill>
-                  <a:srgbClr val="595959"/>
-                </a:solidFill>
-                <a:latin typeface="Times New Roman"/>
-                <a:ea typeface="Times New Roman"/>
-                <a:cs typeface="Times New Roman"/>
-                <a:sym typeface="Times New Roman"/>
-              </a:rPr>
-              <a:t>năm</a:t>
-            </a:r>
-            <a:r>
-              <a:rPr lang="en-US" sz="1800" i="1" dirty="0">
-                <a:solidFill>
-                  <a:srgbClr val="595959"/>
-                </a:solidFill>
-                <a:latin typeface="Times New Roman"/>
-                <a:ea typeface="Times New Roman"/>
-                <a:cs typeface="Times New Roman"/>
-                <a:sym typeface="Times New Roman"/>
-              </a:rPr>
-              <a:t> 2023</a:t>
+              <a:t> 9 năm 2023</a:t>
             </a:r>
             <a:endParaRPr lang="en-US" sz="1800" dirty="0">
               <a:latin typeface="Times New Roman"/>
@@ -45591,8 +45479,8 @@
         </p:nvSpPr>
         <p:spPr>
           <a:xfrm>
-            <a:off x="666750" y="2541703"/>
-            <a:ext cx="10706100" cy="2031295"/>
+            <a:off x="252638" y="2541703"/>
+            <a:ext cx="11625326" cy="2031295"/>
           </a:xfrm>
           <a:prstGeom prst="rect">
             <a:avLst/>
@@ -45645,7 +45533,7 @@
         <p14:flip dir="l"/>
       </p:transition>
     </mc:Choice>
-    <mc:Fallback xmlns:ahyp="http://schemas.microsoft.com/office/drawing/2018/hyperlinkcolor" xmlns:p15="http://schemas.microsoft.com/office/powerpoint/2012/main" xmlns:com="http://schemas.openxmlformats.org/drawingml/2006/compatibility" xmlns:pvml="urn:schemas-microsoft-com:office:powerpoint" xmlns:v="urn:schemas-microsoft-com:vml" xmlns:o="urn:schemas-microsoft-com:office:office" xmlns:dgm="http://schemas.openxmlformats.org/drawingml/2006/diagram" xmlns:c="http://schemas.openxmlformats.org/drawingml/2006/chart" xmlns:mv="urn:schemas-microsoft-com:mac:vml" xmlns="">
+    <mc:Fallback xmlns="" xmlns:mv="urn:schemas-microsoft-com:mac:vml" xmlns:c="http://schemas.openxmlformats.org/drawingml/2006/chart" xmlns:dgm="http://schemas.openxmlformats.org/drawingml/2006/diagram" xmlns:o="urn:schemas-microsoft-com:office:office" xmlns:v="urn:schemas-microsoft-com:vml" xmlns:pvml="urn:schemas-microsoft-com:office:powerpoint" xmlns:com="http://schemas.openxmlformats.org/drawingml/2006/compatibility" xmlns:p15="http://schemas.microsoft.com/office/powerpoint/2012/main" xmlns:ahyp="http://schemas.microsoft.com/office/drawing/2018/hyperlinkcolor">
       <p:transition spd="slow">
         <p:fade/>
       </p:transition>
@@ -46042,6 +45930,66 @@
               <a:buNone/>
             </a:pPr>
             <a:r>
+              <a:rPr lang="en-US" sz="2400" dirty="0">
+                <a:solidFill>
+                  <a:srgbClr val="3F3F3F"/>
+                </a:solidFill>
+                <a:latin typeface="Times New Roman"/>
+                <a:ea typeface="Times New Roman"/>
+                <a:cs typeface="Times New Roman"/>
+                <a:sym typeface="Times New Roman"/>
+              </a:rPr>
+              <a:t>Lý do lựa </a:t>
+            </a:r>
+            <a:r>
+              <a:rPr lang="en-US" sz="2400" dirty="0" err="1">
+                <a:solidFill>
+                  <a:srgbClr val="3F3F3F"/>
+                </a:solidFill>
+                <a:latin typeface="Times New Roman"/>
+                <a:ea typeface="Times New Roman"/>
+                <a:cs typeface="Times New Roman"/>
+                <a:sym typeface="Times New Roman"/>
+              </a:rPr>
+              <a:t>chọn</a:t>
+            </a:r>
+            <a:r>
+              <a:rPr lang="en-US" sz="2400" dirty="0">
+                <a:solidFill>
+                  <a:srgbClr val="3F3F3F"/>
+                </a:solidFill>
+                <a:latin typeface="Times New Roman"/>
+                <a:ea typeface="Times New Roman"/>
+                <a:cs typeface="Times New Roman"/>
+                <a:sym typeface="Times New Roman"/>
+              </a:rPr>
+              <a:t> </a:t>
+            </a:r>
+            <a:r>
+              <a:rPr lang="en-US" sz="2400" dirty="0" err="1">
+                <a:solidFill>
+                  <a:srgbClr val="3F3F3F"/>
+                </a:solidFill>
+                <a:latin typeface="Times New Roman"/>
+                <a:ea typeface="Times New Roman"/>
+                <a:cs typeface="Times New Roman"/>
+                <a:sym typeface="Times New Roman"/>
+              </a:rPr>
+              <a:t>và</a:t>
+            </a:r>
+            <a:r>
+              <a:rPr lang="en-US" sz="2400" dirty="0">
+                <a:solidFill>
+                  <a:srgbClr val="3F3F3F"/>
+                </a:solidFill>
+                <a:latin typeface="Times New Roman"/>
+                <a:ea typeface="Times New Roman"/>
+                <a:cs typeface="Times New Roman"/>
+                <a:sym typeface="Times New Roman"/>
+              </a:rPr>
+              <a:t> </a:t>
+            </a:r>
+            <a:r>
               <a:rPr lang="en-US" sz="2400" dirty="0" err="1">
                 <a:solidFill>
                   <a:srgbClr val="3F3F3F"/>
@@ -46087,31 +46035,7 @@
                 <a:cs typeface="Times New Roman"/>
                 <a:sym typeface="Times New Roman"/>
               </a:rPr>
-              <a:t> </a:t>
-            </a:r>
-            <a:r>
-              <a:rPr lang="en-US" sz="2400" dirty="0" err="1">
-                <a:solidFill>
-                  <a:srgbClr val="3F3F3F"/>
-                </a:solidFill>
-                <a:latin typeface="Times New Roman"/>
-                <a:ea typeface="Times New Roman"/>
-                <a:cs typeface="Times New Roman"/>
-                <a:sym typeface="Times New Roman"/>
-              </a:rPr>
-              <a:t>về</a:t>
-            </a:r>
-            <a:r>
-              <a:rPr lang="en-US" sz="2400" dirty="0">
-                <a:solidFill>
-                  <a:srgbClr val="3F3F3F"/>
-                </a:solidFill>
-                <a:latin typeface="Times New Roman"/>
-                <a:ea typeface="Times New Roman"/>
-                <a:cs typeface="Times New Roman"/>
-                <a:sym typeface="Times New Roman"/>
-              </a:rPr>
-              <a:t> </a:t>
+              <a:t> về </a:t>
             </a:r>
             <a:r>
               <a:rPr lang="en-US" sz="2400" dirty="0" err="1">
@@ -49150,13 +49074,13 @@
   <p:clrMapOvr>
     <a:masterClrMapping/>
   </p:clrMapOvr>
-  <mc:AlternateContent xmlns:mc="http://schemas.openxmlformats.org/markup-compatibility/2006">
-    <mc:Choice xmlns:p14="http://schemas.microsoft.com/office/powerpoint/2010/main" Requires="p14">
+  <mc:AlternateContent xmlns:mc="http://schemas.openxmlformats.org/markup-compatibility/2006" xmlns:p14="http://schemas.microsoft.com/office/powerpoint/2010/main">
+    <mc:Choice Requires="p14">
       <p:transition spd="slow" p14:dur="1500">
         <p:random/>
       </p:transition>
     </mc:Choice>
-    <mc:Fallback>
+    <mc:Fallback xmlns="">
       <p:transition spd="slow">
         <p:random/>
       </p:transition>
@@ -53804,13 +53728,13 @@
   <p:clrMapOvr>
     <a:masterClrMapping/>
   </p:clrMapOvr>
-  <mc:AlternateContent xmlns:mc="http://schemas.openxmlformats.org/markup-compatibility/2006">
-    <mc:Choice xmlns:p14="http://schemas.microsoft.com/office/powerpoint/2010/main" Requires="p14">
+  <mc:AlternateContent xmlns:mc="http://schemas.openxmlformats.org/markup-compatibility/2006" xmlns:p14="http://schemas.microsoft.com/office/powerpoint/2010/main">
+    <mc:Choice Requires="p14">
       <p:transition spd="slow" p14:dur="1500">
         <p:random/>
       </p:transition>
     </mc:Choice>
-    <mc:Fallback>
+    <mc:Fallback xmlns="">
       <p:transition spd="slow">
         <p:random/>
       </p:transition>
@@ -55282,13 +55206,13 @@
   <p:clrMapOvr>
     <a:masterClrMapping/>
   </p:clrMapOvr>
-  <mc:AlternateContent xmlns:mc="http://schemas.openxmlformats.org/markup-compatibility/2006">
-    <mc:Choice xmlns:p14="http://schemas.microsoft.com/office/powerpoint/2010/main" Requires="p14">
+  <mc:AlternateContent xmlns:mc="http://schemas.openxmlformats.org/markup-compatibility/2006" xmlns:p14="http://schemas.microsoft.com/office/powerpoint/2010/main">
+    <mc:Choice Requires="p14">
       <p:transition spd="slow" p14:dur="1500">
         <p:random/>
       </p:transition>
     </mc:Choice>
-    <mc:Fallback>
+    <mc:Fallback xmlns="">
       <p:transition spd="slow">
         <p:random/>
       </p:transition>
@@ -56237,13 +56161,13 @@
   <p:clrMapOvr>
     <a:masterClrMapping/>
   </p:clrMapOvr>
-  <mc:AlternateContent xmlns:mc="http://schemas.openxmlformats.org/markup-compatibility/2006">
-    <mc:Choice xmlns:p14="http://schemas.microsoft.com/office/powerpoint/2010/main" Requires="p14">
+  <mc:AlternateContent xmlns:mc="http://schemas.openxmlformats.org/markup-compatibility/2006" xmlns:p14="http://schemas.microsoft.com/office/powerpoint/2010/main">
+    <mc:Choice Requires="p14">
       <p:transition spd="slow" p14:dur="1500">
         <p:random/>
       </p:transition>
     </mc:Choice>
-    <mc:Fallback>
+    <mc:Fallback xmlns="">
       <p:transition spd="slow">
         <p:random/>
       </p:transition>
@@ -57419,13 +57343,13 @@
   <p:clrMapOvr>
     <a:masterClrMapping/>
   </p:clrMapOvr>
-  <mc:AlternateContent xmlns:mc="http://schemas.openxmlformats.org/markup-compatibility/2006">
-    <mc:Choice xmlns:p14="http://schemas.microsoft.com/office/powerpoint/2010/main" Requires="p14">
+  <mc:AlternateContent xmlns:mc="http://schemas.openxmlformats.org/markup-compatibility/2006" xmlns:p14="http://schemas.microsoft.com/office/powerpoint/2010/main">
+    <mc:Choice Requires="p14">
       <p:transition spd="slow" p14:dur="1500">
         <p:random/>
       </p:transition>
     </mc:Choice>
-    <mc:Fallback>
+    <mc:Fallback xmlns="">
       <p:transition spd="slow">
         <p:random/>
       </p:transition>
@@ -58101,13 +58025,13 @@
   <p:clrMapOvr>
     <a:masterClrMapping/>
   </p:clrMapOvr>
-  <mc:AlternateContent xmlns:mc="http://schemas.openxmlformats.org/markup-compatibility/2006">
-    <mc:Choice xmlns:p14="http://schemas.microsoft.com/office/powerpoint/2010/main" Requires="p14">
+  <mc:AlternateContent xmlns:mc="http://schemas.openxmlformats.org/markup-compatibility/2006" xmlns:p14="http://schemas.microsoft.com/office/powerpoint/2010/main">
+    <mc:Choice Requires="p14">
       <p:transition spd="slow" p14:dur="1500">
         <p:random/>
       </p:transition>
     </mc:Choice>
-    <mc:Fallback>
+    <mc:Fallback xmlns="">
       <p:transition spd="slow">
         <p:random/>
       </p:transition>
